--- a/Springer Latex/Book/figures2/LBE-example.pptx
+++ b/Springer Latex/Book/figures2/LBE-example.pptx
@@ -107,6 +107,22 @@
       </a:defRPr>
     </a:lvl9pPr>
   </p:defaultTextStyle>
+  <p:extLst>
+    <p:ext uri="{EFAFB233-063F-42B5-8137-9DF3F51BA10A}">
+      <p15:sldGuideLst xmlns:p15="http://schemas.microsoft.com/office/powerpoint/2012/main">
+        <p15:guide id="1" orient="horz" pos="2160">
+          <p15:clr>
+            <a:srgbClr val="A4A3A4"/>
+          </p15:clr>
+        </p15:guide>
+        <p15:guide id="2" pos="2880">
+          <p15:clr>
+            <a:srgbClr val="A4A3A4"/>
+          </p15:clr>
+        </p15:guide>
+      </p15:sldGuideLst>
+    </p:ext>
+  </p:extLst>
 </p:presentation>
 </file>
 
@@ -192,7 +208,7 @@
           <a:p>
             <a:fld id="{EA6E994D-EE54-45CF-8564-9B84D8B032D6}" type="datetimeFigureOut">
               <a:rPr lang="en-US" smtClean="0"/>
-              <a:t>1/28/2016</a:t>
+              <a:t>8/16/2016</a:t>
             </a:fld>
             <a:endParaRPr lang="en-US"/>
           </a:p>
@@ -256,38 +272,37 @@
           <a:p>
             <a:pPr lvl="0"/>
             <a:r>
-              <a:rPr lang="en-US" smtClean="0"/>
+              <a:rPr lang="en-US"/>
               <a:t>Click to edit Master text styles</a:t>
             </a:r>
           </a:p>
           <a:p>
             <a:pPr lvl="1"/>
             <a:r>
-              <a:rPr lang="en-US" smtClean="0"/>
+              <a:rPr lang="en-US"/>
               <a:t>Second level</a:t>
             </a:r>
           </a:p>
           <a:p>
             <a:pPr lvl="2"/>
             <a:r>
-              <a:rPr lang="en-US" smtClean="0"/>
+              <a:rPr lang="en-US"/>
               <a:t>Third level</a:t>
             </a:r>
           </a:p>
           <a:p>
             <a:pPr lvl="3"/>
             <a:r>
-              <a:rPr lang="en-US" smtClean="0"/>
+              <a:rPr lang="en-US"/>
               <a:t>Fourth level</a:t>
             </a:r>
           </a:p>
           <a:p>
             <a:pPr lvl="4"/>
             <a:r>
-              <a:rPr lang="en-US" smtClean="0"/>
+              <a:rPr lang="en-US"/>
               <a:t>Fifth level</a:t>
             </a:r>
-            <a:endParaRPr lang="en-US"/>
           </a:p>
         </p:txBody>
       </p:sp>
@@ -582,10 +597,9 @@
           <a:lstStyle/>
           <a:p>
             <a:r>
-              <a:rPr lang="en-US" smtClean="0"/>
+              <a:rPr lang="en-US"/>
               <a:t>Click to edit Master title style</a:t>
             </a:r>
-            <a:endParaRPr lang="en-US"/>
           </a:p>
         </p:txBody>
       </p:sp>
@@ -701,10 +715,9 @@
           </a:lstStyle>
           <a:p>
             <a:r>
-              <a:rPr lang="en-US" smtClean="0"/>
+              <a:rPr lang="en-US"/>
               <a:t>Click to edit Master subtitle style</a:t>
             </a:r>
-            <a:endParaRPr lang="en-US"/>
           </a:p>
         </p:txBody>
       </p:sp>
@@ -725,7 +738,7 @@
           <a:p>
             <a:fld id="{D79ED97D-5577-403C-B58C-D66171CB85CF}" type="datetimeFigureOut">
               <a:rPr lang="en-US" smtClean="0"/>
-              <a:t>1/28/2016</a:t>
+              <a:t>8/16/2016</a:t>
             </a:fld>
             <a:endParaRPr lang="en-US"/>
           </a:p>
@@ -819,10 +832,9 @@
           <a:lstStyle/>
           <a:p>
             <a:r>
-              <a:rPr lang="en-US" smtClean="0"/>
+              <a:rPr lang="en-US"/>
               <a:t>Click to edit Master title style</a:t>
             </a:r>
-            <a:endParaRPr lang="en-US"/>
           </a:p>
         </p:txBody>
       </p:sp>
@@ -843,38 +855,37 @@
           <a:p>
             <a:pPr lvl="0"/>
             <a:r>
-              <a:rPr lang="en-US" smtClean="0"/>
+              <a:rPr lang="en-US"/>
               <a:t>Click to edit Master text styles</a:t>
             </a:r>
           </a:p>
           <a:p>
             <a:pPr lvl="1"/>
             <a:r>
-              <a:rPr lang="en-US" smtClean="0"/>
+              <a:rPr lang="en-US"/>
               <a:t>Second level</a:t>
             </a:r>
           </a:p>
           <a:p>
             <a:pPr lvl="2"/>
             <a:r>
-              <a:rPr lang="en-US" smtClean="0"/>
+              <a:rPr lang="en-US"/>
               <a:t>Third level</a:t>
             </a:r>
           </a:p>
           <a:p>
             <a:pPr lvl="3"/>
             <a:r>
-              <a:rPr lang="en-US" smtClean="0"/>
+              <a:rPr lang="en-US"/>
               <a:t>Fourth level</a:t>
             </a:r>
           </a:p>
           <a:p>
             <a:pPr lvl="4"/>
             <a:r>
-              <a:rPr lang="en-US" smtClean="0"/>
+              <a:rPr lang="en-US"/>
               <a:t>Fifth level</a:t>
             </a:r>
-            <a:endParaRPr lang="en-US"/>
           </a:p>
         </p:txBody>
       </p:sp>
@@ -895,7 +906,7 @@
           <a:p>
             <a:fld id="{D79ED97D-5577-403C-B58C-D66171CB85CF}" type="datetimeFigureOut">
               <a:rPr lang="en-US" smtClean="0"/>
-              <a:t>1/28/2016</a:t>
+              <a:t>8/16/2016</a:t>
             </a:fld>
             <a:endParaRPr lang="en-US"/>
           </a:p>
@@ -994,10 +1005,9 @@
           <a:lstStyle/>
           <a:p>
             <a:r>
-              <a:rPr lang="en-US" smtClean="0"/>
+              <a:rPr lang="en-US"/>
               <a:t>Click to edit Master title style</a:t>
             </a:r>
-            <a:endParaRPr lang="en-US"/>
           </a:p>
         </p:txBody>
       </p:sp>
@@ -1023,38 +1033,37 @@
           <a:p>
             <a:pPr lvl="0"/>
             <a:r>
-              <a:rPr lang="en-US" smtClean="0"/>
+              <a:rPr lang="en-US"/>
               <a:t>Click to edit Master text styles</a:t>
             </a:r>
           </a:p>
           <a:p>
             <a:pPr lvl="1"/>
             <a:r>
-              <a:rPr lang="en-US" smtClean="0"/>
+              <a:rPr lang="en-US"/>
               <a:t>Second level</a:t>
             </a:r>
           </a:p>
           <a:p>
             <a:pPr lvl="2"/>
             <a:r>
-              <a:rPr lang="en-US" smtClean="0"/>
+              <a:rPr lang="en-US"/>
               <a:t>Third level</a:t>
             </a:r>
           </a:p>
           <a:p>
             <a:pPr lvl="3"/>
             <a:r>
-              <a:rPr lang="en-US" smtClean="0"/>
+              <a:rPr lang="en-US"/>
               <a:t>Fourth level</a:t>
             </a:r>
           </a:p>
           <a:p>
             <a:pPr lvl="4"/>
             <a:r>
-              <a:rPr lang="en-US" smtClean="0"/>
+              <a:rPr lang="en-US"/>
               <a:t>Fifth level</a:t>
             </a:r>
-            <a:endParaRPr lang="en-US"/>
           </a:p>
         </p:txBody>
       </p:sp>
@@ -1075,7 +1084,7 @@
           <a:p>
             <a:fld id="{D79ED97D-5577-403C-B58C-D66171CB85CF}" type="datetimeFigureOut">
               <a:rPr lang="en-US" smtClean="0"/>
-              <a:t>1/28/2016</a:t>
+              <a:t>8/16/2016</a:t>
             </a:fld>
             <a:endParaRPr lang="en-US"/>
           </a:p>
@@ -1169,10 +1178,9 @@
           <a:lstStyle/>
           <a:p>
             <a:r>
-              <a:rPr lang="en-US" smtClean="0"/>
+              <a:rPr lang="en-US"/>
               <a:t>Click to edit Master title style</a:t>
             </a:r>
-            <a:endParaRPr lang="en-US"/>
           </a:p>
         </p:txBody>
       </p:sp>
@@ -1193,38 +1201,37 @@
           <a:p>
             <a:pPr lvl="0"/>
             <a:r>
-              <a:rPr lang="en-US" smtClean="0"/>
+              <a:rPr lang="en-US"/>
               <a:t>Click to edit Master text styles</a:t>
             </a:r>
           </a:p>
           <a:p>
             <a:pPr lvl="1"/>
             <a:r>
-              <a:rPr lang="en-US" smtClean="0"/>
+              <a:rPr lang="en-US"/>
               <a:t>Second level</a:t>
             </a:r>
           </a:p>
           <a:p>
             <a:pPr lvl="2"/>
             <a:r>
-              <a:rPr lang="en-US" smtClean="0"/>
+              <a:rPr lang="en-US"/>
               <a:t>Third level</a:t>
             </a:r>
           </a:p>
           <a:p>
             <a:pPr lvl="3"/>
             <a:r>
-              <a:rPr lang="en-US" smtClean="0"/>
+              <a:rPr lang="en-US"/>
               <a:t>Fourth level</a:t>
             </a:r>
           </a:p>
           <a:p>
             <a:pPr lvl="4"/>
             <a:r>
-              <a:rPr lang="en-US" smtClean="0"/>
+              <a:rPr lang="en-US"/>
               <a:t>Fifth level</a:t>
             </a:r>
-            <a:endParaRPr lang="en-US"/>
           </a:p>
         </p:txBody>
       </p:sp>
@@ -1245,7 +1252,7 @@
           <a:p>
             <a:fld id="{D79ED97D-5577-403C-B58C-D66171CB85CF}" type="datetimeFigureOut">
               <a:rPr lang="en-US" smtClean="0"/>
-              <a:t>1/28/2016</a:t>
+              <a:t>8/16/2016</a:t>
             </a:fld>
             <a:endParaRPr lang="en-US"/>
           </a:p>
@@ -1348,10 +1355,9 @@
           </a:lstStyle>
           <a:p>
             <a:r>
-              <a:rPr lang="en-US" smtClean="0"/>
+              <a:rPr lang="en-US"/>
               <a:t>Click to edit Master title style</a:t>
             </a:r>
-            <a:endParaRPr lang="en-US"/>
           </a:p>
         </p:txBody>
       </p:sp>
@@ -1468,7 +1474,7 @@
           <a:p>
             <a:pPr lvl="0"/>
             <a:r>
-              <a:rPr lang="en-US" smtClean="0"/>
+              <a:rPr lang="en-US"/>
               <a:t>Click to edit Master text styles</a:t>
             </a:r>
           </a:p>
@@ -1491,7 +1497,7 @@
           <a:p>
             <a:fld id="{D79ED97D-5577-403C-B58C-D66171CB85CF}" type="datetimeFigureOut">
               <a:rPr lang="en-US" smtClean="0"/>
-              <a:t>1/28/2016</a:t>
+              <a:t>8/16/2016</a:t>
             </a:fld>
             <a:endParaRPr lang="en-US"/>
           </a:p>
@@ -1585,10 +1591,9 @@
           <a:lstStyle/>
           <a:p>
             <a:r>
-              <a:rPr lang="en-US" smtClean="0"/>
+              <a:rPr lang="en-US"/>
               <a:t>Click to edit Master title style</a:t>
             </a:r>
-            <a:endParaRPr lang="en-US"/>
           </a:p>
         </p:txBody>
       </p:sp>
@@ -1642,38 +1647,37 @@
           <a:p>
             <a:pPr lvl="0"/>
             <a:r>
-              <a:rPr lang="en-US" smtClean="0"/>
+              <a:rPr lang="en-US"/>
               <a:t>Click to edit Master text styles</a:t>
             </a:r>
           </a:p>
           <a:p>
             <a:pPr lvl="1"/>
             <a:r>
-              <a:rPr lang="en-US" smtClean="0"/>
+              <a:rPr lang="en-US"/>
               <a:t>Second level</a:t>
             </a:r>
           </a:p>
           <a:p>
             <a:pPr lvl="2"/>
             <a:r>
-              <a:rPr lang="en-US" smtClean="0"/>
+              <a:rPr lang="en-US"/>
               <a:t>Third level</a:t>
             </a:r>
           </a:p>
           <a:p>
             <a:pPr lvl="3"/>
             <a:r>
-              <a:rPr lang="en-US" smtClean="0"/>
+              <a:rPr lang="en-US"/>
               <a:t>Fourth level</a:t>
             </a:r>
           </a:p>
           <a:p>
             <a:pPr lvl="4"/>
             <a:r>
-              <a:rPr lang="en-US" smtClean="0"/>
+              <a:rPr lang="en-US"/>
               <a:t>Fifth level</a:t>
             </a:r>
-            <a:endParaRPr lang="en-US"/>
           </a:p>
         </p:txBody>
       </p:sp>
@@ -1727,38 +1731,37 @@
           <a:p>
             <a:pPr lvl="0"/>
             <a:r>
-              <a:rPr lang="en-US" smtClean="0"/>
+              <a:rPr lang="en-US"/>
               <a:t>Click to edit Master text styles</a:t>
             </a:r>
           </a:p>
           <a:p>
             <a:pPr lvl="1"/>
             <a:r>
-              <a:rPr lang="en-US" smtClean="0"/>
+              <a:rPr lang="en-US"/>
               <a:t>Second level</a:t>
             </a:r>
           </a:p>
           <a:p>
             <a:pPr lvl="2"/>
             <a:r>
-              <a:rPr lang="en-US" smtClean="0"/>
+              <a:rPr lang="en-US"/>
               <a:t>Third level</a:t>
             </a:r>
           </a:p>
           <a:p>
             <a:pPr lvl="3"/>
             <a:r>
-              <a:rPr lang="en-US" smtClean="0"/>
+              <a:rPr lang="en-US"/>
               <a:t>Fourth level</a:t>
             </a:r>
           </a:p>
           <a:p>
             <a:pPr lvl="4"/>
             <a:r>
-              <a:rPr lang="en-US" smtClean="0"/>
+              <a:rPr lang="en-US"/>
               <a:t>Fifth level</a:t>
             </a:r>
-            <a:endParaRPr lang="en-US"/>
           </a:p>
         </p:txBody>
       </p:sp>
@@ -1779,7 +1782,7 @@
           <a:p>
             <a:fld id="{D79ED97D-5577-403C-B58C-D66171CB85CF}" type="datetimeFigureOut">
               <a:rPr lang="en-US" smtClean="0"/>
-              <a:t>1/28/2016</a:t>
+              <a:t>8/16/2016</a:t>
             </a:fld>
             <a:endParaRPr lang="en-US"/>
           </a:p>
@@ -1877,10 +1880,9 @@
           </a:lstStyle>
           <a:p>
             <a:r>
-              <a:rPr lang="en-US" smtClean="0"/>
+              <a:rPr lang="en-US"/>
               <a:t>Click to edit Master title style</a:t>
             </a:r>
-            <a:endParaRPr lang="en-US"/>
           </a:p>
         </p:txBody>
       </p:sp>
@@ -1943,7 +1945,7 @@
           <a:p>
             <a:pPr lvl="0"/>
             <a:r>
-              <a:rPr lang="en-US" smtClean="0"/>
+              <a:rPr lang="en-US"/>
               <a:t>Click to edit Master text styles</a:t>
             </a:r>
           </a:p>
@@ -1999,38 +2001,37 @@
           <a:p>
             <a:pPr lvl="0"/>
             <a:r>
-              <a:rPr lang="en-US" smtClean="0"/>
+              <a:rPr lang="en-US"/>
               <a:t>Click to edit Master text styles</a:t>
             </a:r>
           </a:p>
           <a:p>
             <a:pPr lvl="1"/>
             <a:r>
-              <a:rPr lang="en-US" smtClean="0"/>
+              <a:rPr lang="en-US"/>
               <a:t>Second level</a:t>
             </a:r>
           </a:p>
           <a:p>
             <a:pPr lvl="2"/>
             <a:r>
-              <a:rPr lang="en-US" smtClean="0"/>
+              <a:rPr lang="en-US"/>
               <a:t>Third level</a:t>
             </a:r>
           </a:p>
           <a:p>
             <a:pPr lvl="3"/>
             <a:r>
-              <a:rPr lang="en-US" smtClean="0"/>
+              <a:rPr lang="en-US"/>
               <a:t>Fourth level</a:t>
             </a:r>
           </a:p>
           <a:p>
             <a:pPr lvl="4"/>
             <a:r>
-              <a:rPr lang="en-US" smtClean="0"/>
+              <a:rPr lang="en-US"/>
               <a:t>Fifth level</a:t>
             </a:r>
-            <a:endParaRPr lang="en-US"/>
           </a:p>
         </p:txBody>
       </p:sp>
@@ -2093,7 +2094,7 @@
           <a:p>
             <a:pPr lvl="0"/>
             <a:r>
-              <a:rPr lang="en-US" smtClean="0"/>
+              <a:rPr lang="en-US"/>
               <a:t>Click to edit Master text styles</a:t>
             </a:r>
           </a:p>
@@ -2149,38 +2150,37 @@
           <a:p>
             <a:pPr lvl="0"/>
             <a:r>
-              <a:rPr lang="en-US" smtClean="0"/>
+              <a:rPr lang="en-US"/>
               <a:t>Click to edit Master text styles</a:t>
             </a:r>
           </a:p>
           <a:p>
             <a:pPr lvl="1"/>
             <a:r>
-              <a:rPr lang="en-US" smtClean="0"/>
+              <a:rPr lang="en-US"/>
               <a:t>Second level</a:t>
             </a:r>
           </a:p>
           <a:p>
             <a:pPr lvl="2"/>
             <a:r>
-              <a:rPr lang="en-US" smtClean="0"/>
+              <a:rPr lang="en-US"/>
               <a:t>Third level</a:t>
             </a:r>
           </a:p>
           <a:p>
             <a:pPr lvl="3"/>
             <a:r>
-              <a:rPr lang="en-US" smtClean="0"/>
+              <a:rPr lang="en-US"/>
               <a:t>Fourth level</a:t>
             </a:r>
           </a:p>
           <a:p>
             <a:pPr lvl="4"/>
             <a:r>
-              <a:rPr lang="en-US" smtClean="0"/>
+              <a:rPr lang="en-US"/>
               <a:t>Fifth level</a:t>
             </a:r>
-            <a:endParaRPr lang="en-US"/>
           </a:p>
         </p:txBody>
       </p:sp>
@@ -2201,7 +2201,7 @@
           <a:p>
             <a:fld id="{D79ED97D-5577-403C-B58C-D66171CB85CF}" type="datetimeFigureOut">
               <a:rPr lang="en-US" smtClean="0"/>
-              <a:t>1/28/2016</a:t>
+              <a:t>8/16/2016</a:t>
             </a:fld>
             <a:endParaRPr lang="en-US"/>
           </a:p>
@@ -2295,10 +2295,9 @@
           <a:lstStyle/>
           <a:p>
             <a:r>
-              <a:rPr lang="en-US" smtClean="0"/>
+              <a:rPr lang="en-US"/>
               <a:t>Click to edit Master title style</a:t>
             </a:r>
-            <a:endParaRPr lang="en-US"/>
           </a:p>
         </p:txBody>
       </p:sp>
@@ -2319,7 +2318,7 @@
           <a:p>
             <a:fld id="{D79ED97D-5577-403C-B58C-D66171CB85CF}" type="datetimeFigureOut">
               <a:rPr lang="en-US" smtClean="0"/>
-              <a:t>1/28/2016</a:t>
+              <a:t>8/16/2016</a:t>
             </a:fld>
             <a:endParaRPr lang="en-US"/>
           </a:p>
@@ -2414,7 +2413,7 @@
           <a:p>
             <a:fld id="{D79ED97D-5577-403C-B58C-D66171CB85CF}" type="datetimeFigureOut">
               <a:rPr lang="en-US" smtClean="0"/>
-              <a:t>1/28/2016</a:t>
+              <a:t>8/16/2016</a:t>
             </a:fld>
             <a:endParaRPr lang="en-US"/>
           </a:p>
@@ -2517,10 +2516,9 @@
           </a:lstStyle>
           <a:p>
             <a:r>
-              <a:rPr lang="en-US" smtClean="0"/>
+              <a:rPr lang="en-US"/>
               <a:t>Click to edit Master title style</a:t>
             </a:r>
-            <a:endParaRPr lang="en-US"/>
           </a:p>
         </p:txBody>
       </p:sp>
@@ -2574,38 +2572,37 @@
           <a:p>
             <a:pPr lvl="0"/>
             <a:r>
-              <a:rPr lang="en-US" smtClean="0"/>
+              <a:rPr lang="en-US"/>
               <a:t>Click to edit Master text styles</a:t>
             </a:r>
           </a:p>
           <a:p>
             <a:pPr lvl="1"/>
             <a:r>
-              <a:rPr lang="en-US" smtClean="0"/>
+              <a:rPr lang="en-US"/>
               <a:t>Second level</a:t>
             </a:r>
           </a:p>
           <a:p>
             <a:pPr lvl="2"/>
             <a:r>
-              <a:rPr lang="en-US" smtClean="0"/>
+              <a:rPr lang="en-US"/>
               <a:t>Third level</a:t>
             </a:r>
           </a:p>
           <a:p>
             <a:pPr lvl="3"/>
             <a:r>
-              <a:rPr lang="en-US" smtClean="0"/>
+              <a:rPr lang="en-US"/>
               <a:t>Fourth level</a:t>
             </a:r>
           </a:p>
           <a:p>
             <a:pPr lvl="4"/>
             <a:r>
-              <a:rPr lang="en-US" smtClean="0"/>
+              <a:rPr lang="en-US"/>
               <a:t>Fifth level</a:t>
             </a:r>
-            <a:endParaRPr lang="en-US"/>
           </a:p>
         </p:txBody>
       </p:sp>
@@ -2668,7 +2665,7 @@
           <a:p>
             <a:pPr lvl="0"/>
             <a:r>
-              <a:rPr lang="en-US" smtClean="0"/>
+              <a:rPr lang="en-US"/>
               <a:t>Click to edit Master text styles</a:t>
             </a:r>
           </a:p>
@@ -2691,7 +2688,7 @@
           <a:p>
             <a:fld id="{D79ED97D-5577-403C-B58C-D66171CB85CF}" type="datetimeFigureOut">
               <a:rPr lang="en-US" smtClean="0"/>
-              <a:t>1/28/2016</a:t>
+              <a:t>8/16/2016</a:t>
             </a:fld>
             <a:endParaRPr lang="en-US"/>
           </a:p>
@@ -2794,10 +2791,9 @@
           </a:lstStyle>
           <a:p>
             <a:r>
-              <a:rPr lang="en-US" smtClean="0"/>
+              <a:rPr lang="en-US"/>
               <a:t>Click to edit Master title style</a:t>
             </a:r>
-            <a:endParaRPr lang="en-US"/>
           </a:p>
         </p:txBody>
       </p:sp>
@@ -2921,7 +2917,7 @@
           <a:p>
             <a:pPr lvl="0"/>
             <a:r>
-              <a:rPr lang="en-US" smtClean="0"/>
+              <a:rPr lang="en-US"/>
               <a:t>Click to edit Master text styles</a:t>
             </a:r>
           </a:p>
@@ -2944,7 +2940,7 @@
           <a:p>
             <a:fld id="{D79ED97D-5577-403C-B58C-D66171CB85CF}" type="datetimeFigureOut">
               <a:rPr lang="en-US" smtClean="0"/>
-              <a:t>1/28/2016</a:t>
+              <a:t>8/16/2016</a:t>
             </a:fld>
             <a:endParaRPr lang="en-US"/>
           </a:p>
@@ -3053,10 +3049,9 @@
           <a:lstStyle/>
           <a:p>
             <a:r>
-              <a:rPr lang="en-US" smtClean="0"/>
+              <a:rPr lang="en-US"/>
               <a:t>Click to edit Master title style</a:t>
             </a:r>
-            <a:endParaRPr lang="en-US"/>
           </a:p>
         </p:txBody>
       </p:sp>
@@ -3087,38 +3082,37 @@
           <a:p>
             <a:pPr lvl="0"/>
             <a:r>
-              <a:rPr lang="en-US" smtClean="0"/>
+              <a:rPr lang="en-US"/>
               <a:t>Click to edit Master text styles</a:t>
             </a:r>
           </a:p>
           <a:p>
             <a:pPr lvl="1"/>
             <a:r>
-              <a:rPr lang="en-US" smtClean="0"/>
+              <a:rPr lang="en-US"/>
               <a:t>Second level</a:t>
             </a:r>
           </a:p>
           <a:p>
             <a:pPr lvl="2"/>
             <a:r>
-              <a:rPr lang="en-US" smtClean="0"/>
+              <a:rPr lang="en-US"/>
               <a:t>Third level</a:t>
             </a:r>
           </a:p>
           <a:p>
             <a:pPr lvl="3"/>
             <a:r>
-              <a:rPr lang="en-US" smtClean="0"/>
+              <a:rPr lang="en-US"/>
               <a:t>Fourth level</a:t>
             </a:r>
           </a:p>
           <a:p>
             <a:pPr lvl="4"/>
             <a:r>
-              <a:rPr lang="en-US" smtClean="0"/>
+              <a:rPr lang="en-US"/>
               <a:t>Fifth level</a:t>
             </a:r>
-            <a:endParaRPr lang="en-US"/>
           </a:p>
         </p:txBody>
       </p:sp>
@@ -3157,7 +3151,7 @@
           <a:p>
             <a:fld id="{D79ED97D-5577-403C-B58C-D66171CB85CF}" type="datetimeFigureOut">
               <a:rPr lang="en-US" smtClean="0"/>
-              <a:t>1/28/2016</a:t>
+              <a:t>8/16/2016</a:t>
             </a:fld>
             <a:endParaRPr lang="en-US"/>
           </a:p>
@@ -3775,7 +3769,9 @@
             <a:avLst/>
           </a:prstGeom>
           <a:solidFill>
-            <a:srgbClr val="FFCCFF"/>
+            <a:schemeClr val="accent1">
+              <a:lumMod val="75000"/>
+            </a:schemeClr>
           </a:solidFill>
           <a:ln w="12700">
             <a:solidFill>
@@ -3859,23 +3855,15 @@
           <a:lstStyle/>
           <a:p>
             <a:pPr algn="ctr"/>
-            <a:r>
-              <a:rPr lang="en-US" sz="1400" b="1" dirty="0" smtClean="0">
-                <a:solidFill>
-                  <a:schemeClr val="bg1"/>
-                </a:solidFill>
-              </a:rPr>
-              <a:t/>
-            </a:r>
             <a:br>
-              <a:rPr lang="en-US" sz="1400" b="1" dirty="0" smtClean="0">
+              <a:rPr lang="en-US" sz="1400" b="1" dirty="0">
                 <a:solidFill>
                   <a:schemeClr val="bg1"/>
                 </a:solidFill>
               </a:rPr>
             </a:br>
             <a:r>
-              <a:rPr lang="en-US" sz="1400" b="1" dirty="0" smtClean="0">
+              <a:rPr lang="en-US" sz="1400" b="1" dirty="0">
                 <a:solidFill>
                   <a:schemeClr val="bg1"/>
                 </a:solidFill>
@@ -3883,7 +3871,7 @@
               <a:t>    Data transmission     </a:t>
             </a:r>
             <a:br>
-              <a:rPr lang="en-US" sz="1400" b="1" dirty="0" smtClean="0">
+              <a:rPr lang="en-US" sz="1400" b="1" dirty="0">
                 <a:solidFill>
                   <a:schemeClr val="bg1"/>
                 </a:solidFill>
@@ -3924,7 +3912,7 @@
           <a:p>
             <a:pPr algn="ctr"/>
             <a:r>
-              <a:rPr lang="en-US" sz="1200" dirty="0" err="1" smtClean="0"/>
+              <a:rPr lang="en-US" sz="1200" dirty="0" err="1"/>
               <a:t>CoT</a:t>
             </a:r>
             <a:endParaRPr lang="en-US" sz="1200" dirty="0"/>
@@ -3957,10 +3945,9 @@
           <a:lstStyle/>
           <a:p>
             <a:r>
-              <a:rPr lang="en-US" sz="1200" dirty="0" smtClean="0"/>
+              <a:rPr lang="en-US" sz="1200" dirty="0"/>
               <a:t>Time</a:t>
             </a:r>
-            <a:endParaRPr lang="en-US" sz="1200" dirty="0"/>
           </a:p>
         </p:txBody>
       </p:sp>
@@ -4031,18 +4018,17 @@
           <a:p>
             <a:pPr algn="ctr"/>
             <a:r>
-              <a:rPr lang="en-US" sz="1200" dirty="0" smtClean="0"/>
+              <a:rPr lang="en-US" sz="1200" dirty="0"/>
               <a:t>ECCA with </a:t>
             </a:r>
             <a:r>
-              <a:rPr lang="en-US" sz="1200" i="1" dirty="0" smtClean="0"/>
+              <a:rPr lang="en-US" sz="1200" i="1" dirty="0"/>
               <a:t>N</a:t>
             </a:r>
             <a:r>
-              <a:rPr lang="en-US" sz="1200" dirty="0" smtClean="0"/>
+              <a:rPr lang="en-US" sz="1200" dirty="0"/>
               <a:t> = 4</a:t>
             </a:r>
-            <a:endParaRPr lang="en-US" sz="1200" dirty="0"/>
           </a:p>
         </p:txBody>
       </p:sp>
@@ -4135,7 +4121,9 @@
             <a:avLst/>
           </a:prstGeom>
           <a:solidFill>
-            <a:srgbClr val="FFCCFF"/>
+            <a:schemeClr val="accent1">
+              <a:lumMod val="75000"/>
+            </a:schemeClr>
           </a:solidFill>
           <a:ln w="12700">
             <a:solidFill>
@@ -4242,7 +4230,9 @@
             <a:avLst/>
           </a:prstGeom>
           <a:solidFill>
-            <a:srgbClr val="FFCCFF"/>
+            <a:schemeClr val="accent1">
+              <a:lumMod val="75000"/>
+            </a:schemeClr>
           </a:solidFill>
           <a:ln w="12700">
             <a:solidFill>
@@ -4275,7 +4265,9 @@
             <a:avLst/>
           </a:prstGeom>
           <a:solidFill>
-            <a:srgbClr val="FFCCFF"/>
+            <a:schemeClr val="accent1">
+              <a:lumMod val="75000"/>
+            </a:schemeClr>
           </a:solidFill>
           <a:ln w="12700">
             <a:solidFill>
@@ -4396,7 +4388,7 @@
           <a:p>
             <a:pPr algn="ctr"/>
             <a:r>
-              <a:rPr lang="en-US" sz="1200" dirty="0" err="1" smtClean="0"/>
+              <a:rPr lang="en-US" sz="1200" dirty="0" err="1"/>
               <a:t>CoT</a:t>
             </a:r>
             <a:endParaRPr lang="en-US" sz="1200" dirty="0"/>
@@ -4471,23 +4463,15 @@
           <a:lstStyle/>
           <a:p>
             <a:pPr algn="ctr"/>
-            <a:r>
-              <a:rPr lang="en-US" sz="1400" b="1" dirty="0" smtClean="0">
-                <a:solidFill>
-                  <a:schemeClr val="bg1"/>
-                </a:solidFill>
-              </a:rPr>
-              <a:t/>
-            </a:r>
             <a:br>
-              <a:rPr lang="en-US" sz="1400" b="1" dirty="0" smtClean="0">
+              <a:rPr lang="en-US" sz="1400" b="1" dirty="0">
                 <a:solidFill>
                   <a:schemeClr val="bg1"/>
                 </a:solidFill>
               </a:rPr>
             </a:br>
             <a:r>
-              <a:rPr lang="en-US" sz="1400" b="1" dirty="0" smtClean="0">
+              <a:rPr lang="en-US" sz="1400" b="1" dirty="0">
                 <a:solidFill>
                   <a:schemeClr val="bg1"/>
                 </a:solidFill>
@@ -4495,7 +4479,7 @@
               <a:t>Data transmission</a:t>
             </a:r>
             <a:br>
-              <a:rPr lang="en-US" sz="1400" b="1" dirty="0" smtClean="0">
+              <a:rPr lang="en-US" sz="1400" b="1" dirty="0">
                 <a:solidFill>
                   <a:schemeClr val="bg1"/>
                 </a:solidFill>
@@ -4569,10 +4553,9 @@
           <a:p>
             <a:pPr algn="ctr"/>
             <a:r>
-              <a:rPr lang="en-US" sz="1200" dirty="0" smtClean="0"/>
+              <a:rPr lang="en-US" sz="1200" dirty="0"/>
               <a:t>Unsuccessful CCA</a:t>
             </a:r>
-            <a:endParaRPr lang="en-US" sz="1200" dirty="0"/>
           </a:p>
         </p:txBody>
       </p:sp>
@@ -4603,10 +4586,9 @@
           <a:p>
             <a:pPr algn="ctr"/>
             <a:r>
-              <a:rPr lang="en-US" sz="1200" dirty="0" smtClean="0"/>
+              <a:rPr lang="en-US" sz="1200" dirty="0"/>
               <a:t>Successful CCA</a:t>
             </a:r>
-            <a:endParaRPr lang="en-US" sz="1200" dirty="0"/>
           </a:p>
         </p:txBody>
       </p:sp>
@@ -4693,10 +4675,9 @@
           <a:lstStyle/>
           <a:p>
             <a:r>
-              <a:rPr lang="en-US" sz="1400" dirty="0" smtClean="0"/>
+              <a:rPr lang="en-US" sz="1400" dirty="0"/>
               <a:t>   </a:t>
             </a:r>
-            <a:endParaRPr lang="en-US" sz="1400" dirty="0"/>
           </a:p>
         </p:txBody>
       </p:sp>
@@ -4715,7 +4696,9 @@
             <a:avLst/>
           </a:prstGeom>
           <a:solidFill>
-            <a:srgbClr val="FFCCFF"/>
+            <a:schemeClr val="accent1">
+              <a:lumMod val="75000"/>
+            </a:schemeClr>
           </a:solidFill>
           <a:ln w="12700">
             <a:solidFill>
